--- a/Project_3_Presentation.pptx
+++ b/Project_3_Presentation.pptx
@@ -137,7 +137,7 @@
   <pc:docChgLst>
     <pc:chgData name="Don Ross" userId="e67c32fdbd55d31b" providerId="LiveId" clId="{F875605D-7B0B-412C-A5ED-10726C5480E8}"/>
     <pc:docChg chg="undo custSel addSld delSld modSld sldOrd">
-      <pc:chgData name="Don Ross" userId="e67c32fdbd55d31b" providerId="LiveId" clId="{F875605D-7B0B-412C-A5ED-10726C5480E8}" dt="2025-01-21T02:38:50.010" v="370" actId="108"/>
+      <pc:chgData name="Don Ross" userId="e67c32fdbd55d31b" providerId="LiveId" clId="{F875605D-7B0B-412C-A5ED-10726C5480E8}" dt="2025-01-23T00:35:04.410" v="444" actId="20577"/>
       <pc:docMkLst>
         <pc:docMk/>
       </pc:docMkLst>
@@ -161,14 +161,6 @@
             <pc:docMk/>
             <pc:sldMk cId="3509696558" sldId="256"/>
             <ac:spMk id="3" creationId="{4CBA9786-CFB4-F328-B66E-B8FB965EC531}"/>
-          </ac:spMkLst>
-        </pc:spChg>
-        <pc:spChg chg="add del">
-          <ac:chgData name="Don Ross" userId="e67c32fdbd55d31b" providerId="LiveId" clId="{F875605D-7B0B-412C-A5ED-10726C5480E8}" dt="2025-01-21T02:09:06.037" v="76" actId="22"/>
-          <ac:spMkLst>
-            <pc:docMk/>
-            <pc:sldMk cId="3509696558" sldId="256"/>
-            <ac:spMk id="5" creationId="{E9FD5CBF-678A-8BC2-9038-D9D959750343}"/>
           </ac:spMkLst>
         </pc:spChg>
         <pc:spChg chg="add">
@@ -216,94 +208,6 @@
             <pc:docMk/>
             <pc:sldMk cId="837882040" sldId="257"/>
             <ac:spMk id="2" creationId="{6870EFE0-2505-25B8-D790-30D07DB88C9D}"/>
-          </ac:spMkLst>
-        </pc:spChg>
-        <pc:spChg chg="del mod">
-          <ac:chgData name="Don Ross" userId="e67c32fdbd55d31b" providerId="LiveId" clId="{F875605D-7B0B-412C-A5ED-10726C5480E8}" dt="2025-01-21T02:35:33.728" v="330" actId="26606"/>
-          <ac:spMkLst>
-            <pc:docMk/>
-            <pc:sldMk cId="837882040" sldId="257"/>
-            <ac:spMk id="3" creationId="{A2A9AB13-24EB-2E4D-4A4D-A1429FE71BD8}"/>
-          </ac:spMkLst>
-        </pc:spChg>
-        <pc:spChg chg="add">
-          <ac:chgData name="Don Ross" userId="e67c32fdbd55d31b" providerId="LiveId" clId="{F875605D-7B0B-412C-A5ED-10726C5480E8}" dt="2025-01-21T02:09:32.037" v="79"/>
-          <ac:spMkLst>
-            <pc:docMk/>
-            <pc:sldMk cId="837882040" sldId="257"/>
-            <ac:spMk id="4" creationId="{5810A965-479E-9079-F1A1-1F54B1133AA7}"/>
-          </ac:spMkLst>
-        </pc:spChg>
-        <pc:spChg chg="add">
-          <ac:chgData name="Don Ross" userId="e67c32fdbd55d31b" providerId="LiveId" clId="{F875605D-7B0B-412C-A5ED-10726C5480E8}" dt="2025-01-21T02:09:32.037" v="79"/>
-          <ac:spMkLst>
-            <pc:docMk/>
-            <pc:sldMk cId="837882040" sldId="257"/>
-            <ac:spMk id="5" creationId="{2B88440B-34A4-E8FF-E2DF-E8DA776C25D0}"/>
-          </ac:spMkLst>
-        </pc:spChg>
-        <pc:spChg chg="add">
-          <ac:chgData name="Don Ross" userId="e67c32fdbd55d31b" providerId="LiveId" clId="{F875605D-7B0B-412C-A5ED-10726C5480E8}" dt="2025-01-21T02:09:32.037" v="79"/>
-          <ac:spMkLst>
-            <pc:docMk/>
-            <pc:sldMk cId="837882040" sldId="257"/>
-            <ac:spMk id="6" creationId="{64A661D1-0402-4EFC-6E4A-AAADA35BAE6D}"/>
-          </ac:spMkLst>
-        </pc:spChg>
-        <pc:spChg chg="add">
-          <ac:chgData name="Don Ross" userId="e67c32fdbd55d31b" providerId="LiveId" clId="{F875605D-7B0B-412C-A5ED-10726C5480E8}" dt="2025-01-21T02:09:32.037" v="79"/>
-          <ac:spMkLst>
-            <pc:docMk/>
-            <pc:sldMk cId="837882040" sldId="257"/>
-            <ac:spMk id="7" creationId="{F5A0C0D4-A2BF-D57F-5321-76DBD333DA9E}"/>
-          </ac:spMkLst>
-        </pc:spChg>
-        <pc:spChg chg="add">
-          <ac:chgData name="Don Ross" userId="e67c32fdbd55d31b" providerId="LiveId" clId="{F875605D-7B0B-412C-A5ED-10726C5480E8}" dt="2025-01-21T02:09:32.037" v="79"/>
-          <ac:spMkLst>
-            <pc:docMk/>
-            <pc:sldMk cId="837882040" sldId="257"/>
-            <ac:spMk id="8" creationId="{ECFBD692-BA59-B4A4-562D-E154A41058C9}"/>
-          </ac:spMkLst>
-        </pc:spChg>
-        <pc:spChg chg="add">
-          <ac:chgData name="Don Ross" userId="e67c32fdbd55d31b" providerId="LiveId" clId="{F875605D-7B0B-412C-A5ED-10726C5480E8}" dt="2025-01-21T02:09:36.663" v="80"/>
-          <ac:spMkLst>
-            <pc:docMk/>
-            <pc:sldMk cId="837882040" sldId="257"/>
-            <ac:spMk id="9" creationId="{89F6EF48-1EE0-2027-9CA5-8F4F0C348229}"/>
-          </ac:spMkLst>
-        </pc:spChg>
-        <pc:spChg chg="add">
-          <ac:chgData name="Don Ross" userId="e67c32fdbd55d31b" providerId="LiveId" clId="{F875605D-7B0B-412C-A5ED-10726C5480E8}" dt="2025-01-21T02:09:36.663" v="80"/>
-          <ac:spMkLst>
-            <pc:docMk/>
-            <pc:sldMk cId="837882040" sldId="257"/>
-            <ac:spMk id="10" creationId="{F21A36D5-C5C9-3550-E3E5-A9B716B5386B}"/>
-          </ac:spMkLst>
-        </pc:spChg>
-        <pc:spChg chg="add">
-          <ac:chgData name="Don Ross" userId="e67c32fdbd55d31b" providerId="LiveId" clId="{F875605D-7B0B-412C-A5ED-10726C5480E8}" dt="2025-01-21T02:09:36.663" v="80"/>
-          <ac:spMkLst>
-            <pc:docMk/>
-            <pc:sldMk cId="837882040" sldId="257"/>
-            <ac:spMk id="11" creationId="{DE1AB7A3-27C6-C284-1956-F349A511ABA1}"/>
-          </ac:spMkLst>
-        </pc:spChg>
-        <pc:spChg chg="add">
-          <ac:chgData name="Don Ross" userId="e67c32fdbd55d31b" providerId="LiveId" clId="{F875605D-7B0B-412C-A5ED-10726C5480E8}" dt="2025-01-21T02:09:36.663" v="80"/>
-          <ac:spMkLst>
-            <pc:docMk/>
-            <pc:sldMk cId="837882040" sldId="257"/>
-            <ac:spMk id="12" creationId="{382A27B9-89E9-99A6-D790-0520FA954A98}"/>
-          </ac:spMkLst>
-        </pc:spChg>
-        <pc:spChg chg="add">
-          <ac:chgData name="Don Ross" userId="e67c32fdbd55d31b" providerId="LiveId" clId="{F875605D-7B0B-412C-A5ED-10726C5480E8}" dt="2025-01-21T02:09:36.663" v="80"/>
-          <ac:spMkLst>
-            <pc:docMk/>
-            <pc:sldMk cId="837882040" sldId="257"/>
-            <ac:spMk id="13" creationId="{81545B34-1990-647A-7249-F636844AC7F4}"/>
           </ac:spMkLst>
         </pc:spChg>
         <pc:spChg chg="add">
@@ -384,38 +288,6 @@
           <pc:docMk/>
           <pc:sldMk cId="1826921239" sldId="259"/>
         </pc:sldMkLst>
-        <pc:spChg chg="mod">
-          <ac:chgData name="Don Ross" userId="e67c32fdbd55d31b" providerId="LiveId" clId="{F875605D-7B0B-412C-A5ED-10726C5480E8}" dt="2025-01-21T01:58:20.159" v="74"/>
-          <ac:spMkLst>
-            <pc:docMk/>
-            <pc:sldMk cId="1826921239" sldId="259"/>
-            <ac:spMk id="2" creationId="{1503581E-2408-5315-B237-883AE9F9C8B7}"/>
-          </ac:spMkLst>
-        </pc:spChg>
-        <pc:spChg chg="mod">
-          <ac:chgData name="Don Ross" userId="e67c32fdbd55d31b" providerId="LiveId" clId="{F875605D-7B0B-412C-A5ED-10726C5480E8}" dt="2025-01-21T02:24:07.678" v="173" actId="21"/>
-          <ac:spMkLst>
-            <pc:docMk/>
-            <pc:sldMk cId="1826921239" sldId="259"/>
-            <ac:spMk id="3" creationId="{26B47F98-8703-7C90-7793-1E7A88E461A0}"/>
-          </ac:spMkLst>
-        </pc:spChg>
-        <pc:spChg chg="add del">
-          <ac:chgData name="Don Ross" userId="e67c32fdbd55d31b" providerId="LiveId" clId="{F875605D-7B0B-412C-A5ED-10726C5480E8}" dt="2025-01-21T01:57:13.776" v="65" actId="22"/>
-          <ac:spMkLst>
-            <pc:docMk/>
-            <pc:sldMk cId="1826921239" sldId="259"/>
-            <ac:spMk id="5" creationId="{56AE982F-7CCE-9B2D-6867-5D664F75F68C}"/>
-          </ac:spMkLst>
-        </pc:spChg>
-        <pc:spChg chg="add del">
-          <ac:chgData name="Don Ross" userId="e67c32fdbd55d31b" providerId="LiveId" clId="{F875605D-7B0B-412C-A5ED-10726C5480E8}" dt="2025-01-21T01:57:43.030" v="67" actId="22"/>
-          <ac:spMkLst>
-            <pc:docMk/>
-            <pc:sldMk cId="1826921239" sldId="259"/>
-            <ac:spMk id="7" creationId="{AAC4B5A3-C870-90FA-74C8-3F96058A9C98}"/>
-          </ac:spMkLst>
-        </pc:spChg>
       </pc:sldChg>
       <pc:sldChg chg="addSp delSp modSp new del mod">
         <pc:chgData name="Don Ross" userId="e67c32fdbd55d31b" providerId="LiveId" clId="{F875605D-7B0B-412C-A5ED-10726C5480E8}" dt="2025-01-21T02:29:36.900" v="218" actId="2696"/>
@@ -423,30 +295,6 @@
           <pc:docMk/>
           <pc:sldMk cId="2764914143" sldId="260"/>
         </pc:sldMkLst>
-        <pc:spChg chg="del">
-          <ac:chgData name="Don Ross" userId="e67c32fdbd55d31b" providerId="LiveId" clId="{F875605D-7B0B-412C-A5ED-10726C5480E8}" dt="2025-01-21T01:50:50.679" v="61" actId="478"/>
-          <ac:spMkLst>
-            <pc:docMk/>
-            <pc:sldMk cId="2764914143" sldId="260"/>
-            <ac:spMk id="2" creationId="{984C088C-6CB5-3A02-F07E-0D05E94BF663}"/>
-          </ac:spMkLst>
-        </pc:spChg>
-        <pc:spChg chg="del">
-          <ac:chgData name="Don Ross" userId="e67c32fdbd55d31b" providerId="LiveId" clId="{F875605D-7B0B-412C-A5ED-10726C5480E8}" dt="2025-01-21T01:50:47.342" v="60" actId="478"/>
-          <ac:spMkLst>
-            <pc:docMk/>
-            <pc:sldMk cId="2764914143" sldId="260"/>
-            <ac:spMk id="3" creationId="{0D9A251A-D130-1EE6-E532-0A9211AE2197}"/>
-          </ac:spMkLst>
-        </pc:spChg>
-        <pc:picChg chg="add mod">
-          <ac:chgData name="Don Ross" userId="e67c32fdbd55d31b" providerId="LiveId" clId="{F875605D-7B0B-412C-A5ED-10726C5480E8}" dt="2025-01-21T02:29:04.313" v="213" actId="1076"/>
-          <ac:picMkLst>
-            <pc:docMk/>
-            <pc:sldMk cId="2764914143" sldId="260"/>
-            <ac:picMk id="1026" creationId="{28D5A02A-01DD-7E1C-B49C-A50B433A667D}"/>
-          </ac:picMkLst>
-        </pc:picChg>
       </pc:sldChg>
       <pc:sldChg chg="addSp modSp new del">
         <pc:chgData name="Don Ross" userId="e67c32fdbd55d31b" providerId="LiveId" clId="{F875605D-7B0B-412C-A5ED-10726C5480E8}" dt="2025-01-21T02:30:15.275" v="225" actId="2696"/>
@@ -454,30 +302,6 @@
           <pc:docMk/>
           <pc:sldMk cId="602250086" sldId="261"/>
         </pc:sldMkLst>
-        <pc:spChg chg="mod">
-          <ac:chgData name="Don Ross" userId="e67c32fdbd55d31b" providerId="LiveId" clId="{F875605D-7B0B-412C-A5ED-10726C5480E8}" dt="2025-01-21T02:27:28.672" v="191"/>
-          <ac:spMkLst>
-            <pc:docMk/>
-            <pc:sldMk cId="602250086" sldId="261"/>
-            <ac:spMk id="2" creationId="{07194715-A1AE-90DC-28AE-F395EB025609}"/>
-          </ac:spMkLst>
-        </pc:spChg>
-        <pc:spChg chg="mod">
-          <ac:chgData name="Don Ross" userId="e67c32fdbd55d31b" providerId="LiveId" clId="{F875605D-7B0B-412C-A5ED-10726C5480E8}" dt="2025-01-21T02:27:28.672" v="191"/>
-          <ac:spMkLst>
-            <pc:docMk/>
-            <pc:sldMk cId="602250086" sldId="261"/>
-            <ac:spMk id="3" creationId="{0E12A88D-B0AE-2040-C9D1-F6E9210660BF}"/>
-          </ac:spMkLst>
-        </pc:spChg>
-        <pc:picChg chg="add">
-          <ac:chgData name="Don Ross" userId="e67c32fdbd55d31b" providerId="LiveId" clId="{F875605D-7B0B-412C-A5ED-10726C5480E8}" dt="2025-01-21T01:51:24.243" v="63"/>
-          <ac:picMkLst>
-            <pc:docMk/>
-            <pc:sldMk cId="602250086" sldId="261"/>
-            <ac:picMk id="2050" creationId="{0FC4159D-D9A2-2BE5-A634-02680866FE76}"/>
-          </ac:picMkLst>
-        </pc:picChg>
       </pc:sldChg>
       <pc:sldChg chg="addSp modSp new mod setBg setClrOvrMap">
         <pc:chgData name="Don Ross" userId="e67c32fdbd55d31b" providerId="LiveId" clId="{F875605D-7B0B-412C-A5ED-10726C5480E8}" dt="2025-01-21T02:35:27.484" v="329" actId="26606"/>
@@ -532,62 +356,6 @@
           <pc:docMk/>
           <pc:sldMk cId="4274021124" sldId="262"/>
         </pc:sldMkLst>
-        <pc:spChg chg="del">
-          <ac:chgData name="Don Ross" userId="e67c32fdbd55d31b" providerId="LiveId" clId="{F875605D-7B0B-412C-A5ED-10726C5480E8}" dt="2025-01-21T02:09:57.474" v="86" actId="478"/>
-          <ac:spMkLst>
-            <pc:docMk/>
-            <pc:sldMk cId="4274021124" sldId="262"/>
-            <ac:spMk id="2" creationId="{474B9EEC-F841-ED98-F86E-6F7EC45E3810}"/>
-          </ac:spMkLst>
-        </pc:spChg>
-        <pc:spChg chg="del">
-          <ac:chgData name="Don Ross" userId="e67c32fdbd55d31b" providerId="LiveId" clId="{F875605D-7B0B-412C-A5ED-10726C5480E8}" dt="2025-01-21T02:09:47.846" v="83" actId="478"/>
-          <ac:spMkLst>
-            <pc:docMk/>
-            <pc:sldMk cId="4274021124" sldId="262"/>
-            <ac:spMk id="3" creationId="{85DB2EFE-BB15-746D-5FAA-A88C53C1D6FD}"/>
-          </ac:spMkLst>
-        </pc:spChg>
-        <pc:spChg chg="add">
-          <ac:chgData name="Don Ross" userId="e67c32fdbd55d31b" providerId="LiveId" clId="{F875605D-7B0B-412C-A5ED-10726C5480E8}" dt="2025-01-21T02:09:43.579" v="82"/>
-          <ac:spMkLst>
-            <pc:docMk/>
-            <pc:sldMk cId="4274021124" sldId="262"/>
-            <ac:spMk id="4" creationId="{90EC68C6-9FDD-CF63-3E2B-1BE26E92DF6E}"/>
-          </ac:spMkLst>
-        </pc:spChg>
-        <pc:spChg chg="add">
-          <ac:chgData name="Don Ross" userId="e67c32fdbd55d31b" providerId="LiveId" clId="{F875605D-7B0B-412C-A5ED-10726C5480E8}" dt="2025-01-21T02:09:43.579" v="82"/>
-          <ac:spMkLst>
-            <pc:docMk/>
-            <pc:sldMk cId="4274021124" sldId="262"/>
-            <ac:spMk id="5" creationId="{56E4EFED-B619-543B-9D97-356910C34022}"/>
-          </ac:spMkLst>
-        </pc:spChg>
-        <pc:spChg chg="add">
-          <ac:chgData name="Don Ross" userId="e67c32fdbd55d31b" providerId="LiveId" clId="{F875605D-7B0B-412C-A5ED-10726C5480E8}" dt="2025-01-21T02:09:43.579" v="82"/>
-          <ac:spMkLst>
-            <pc:docMk/>
-            <pc:sldMk cId="4274021124" sldId="262"/>
-            <ac:spMk id="6" creationId="{0CBDCE59-B678-C2EB-A9DA-F1C104689D46}"/>
-          </ac:spMkLst>
-        </pc:spChg>
-        <pc:spChg chg="add">
-          <ac:chgData name="Don Ross" userId="e67c32fdbd55d31b" providerId="LiveId" clId="{F875605D-7B0B-412C-A5ED-10726C5480E8}" dt="2025-01-21T02:09:43.579" v="82"/>
-          <ac:spMkLst>
-            <pc:docMk/>
-            <pc:sldMk cId="4274021124" sldId="262"/>
-            <ac:spMk id="7" creationId="{B49594C4-0F0C-7772-C7E8-DB4FE67C6D21}"/>
-          </ac:spMkLst>
-        </pc:spChg>
-        <pc:spChg chg="add del mod">
-          <ac:chgData name="Don Ross" userId="e67c32fdbd55d31b" providerId="LiveId" clId="{F875605D-7B0B-412C-A5ED-10726C5480E8}" dt="2025-01-21T02:09:54.349" v="85" actId="478"/>
-          <ac:spMkLst>
-            <pc:docMk/>
-            <pc:sldMk cId="4274021124" sldId="262"/>
-            <ac:spMk id="8" creationId="{C76D41C4-3EC7-99DC-C923-3B339633D642}"/>
-          </ac:spMkLst>
-        </pc:spChg>
       </pc:sldChg>
       <pc:sldChg chg="addSp delSp modSp new mod setBg setClrOvrMap">
         <pc:chgData name="Don Ross" userId="e67c32fdbd55d31b" providerId="LiveId" clId="{F875605D-7B0B-412C-A5ED-10726C5480E8}" dt="2025-01-21T02:35:08.943" v="327" actId="26606"/>
@@ -601,14 +369,6 @@
             <pc:docMk/>
             <pc:sldMk cId="2890230004" sldId="263"/>
             <ac:spMk id="2" creationId="{7248E519-605B-353F-BCE2-9329832CD8D6}"/>
-          </ac:spMkLst>
-        </pc:spChg>
-        <pc:spChg chg="del mod">
-          <ac:chgData name="Don Ross" userId="e67c32fdbd55d31b" providerId="LiveId" clId="{F875605D-7B0B-412C-A5ED-10726C5480E8}" dt="2025-01-21T02:35:08.943" v="327" actId="26606"/>
-          <ac:spMkLst>
-            <pc:docMk/>
-            <pc:sldMk cId="2890230004" sldId="263"/>
-            <ac:spMk id="3" creationId="{3AAA65FE-1250-D841-3A2D-D4A2D8EABAA7}"/>
           </ac:spMkLst>
         </pc:spChg>
         <pc:spChg chg="add">
@@ -697,14 +457,6 @@
             <ac:spMk id="2" creationId="{ADEBD8B5-F41E-B990-E0E2-192BB70ABDB7}"/>
           </ac:spMkLst>
         </pc:spChg>
-        <pc:spChg chg="del mod">
-          <ac:chgData name="Don Ross" userId="e67c32fdbd55d31b" providerId="LiveId" clId="{F875605D-7B0B-412C-A5ED-10726C5480E8}" dt="2025-01-21T02:34:50.808" v="325" actId="26606"/>
-          <ac:spMkLst>
-            <pc:docMk/>
-            <pc:sldMk cId="3154164877" sldId="265"/>
-            <ac:spMk id="3" creationId="{05AC3A6E-3F27-6AE4-CC11-AAC722E76162}"/>
-          </ac:spMkLst>
-        </pc:spChg>
         <pc:spChg chg="add">
           <ac:chgData name="Don Ross" userId="e67c32fdbd55d31b" providerId="LiveId" clId="{F875605D-7B0B-412C-A5ED-10726C5480E8}" dt="2025-01-21T02:34:50.808" v="325" actId="26606"/>
           <ac:spMkLst>
@@ -742,14 +494,6 @@
             <pc:docMk/>
             <pc:sldMk cId="1223204842" sldId="266"/>
             <ac:spMk id="2" creationId="{97B65D36-1A4E-1A04-243E-927340DF66F9}"/>
-          </ac:spMkLst>
-        </pc:spChg>
-        <pc:spChg chg="del mod">
-          <ac:chgData name="Don Ross" userId="e67c32fdbd55d31b" providerId="LiveId" clId="{F875605D-7B0B-412C-A5ED-10726C5480E8}" dt="2025-01-21T02:34:31.949" v="324" actId="26606"/>
-          <ac:spMkLst>
-            <pc:docMk/>
-            <pc:sldMk cId="1223204842" sldId="266"/>
-            <ac:spMk id="3" creationId="{5F791FD8-FFDB-39C7-DC72-3FDFE6E801E5}"/>
           </ac:spMkLst>
         </pc:spChg>
         <pc:spChg chg="add">
@@ -791,38 +535,6 @@
             <ac:spMk id="2" creationId="{DA2AAEDF-C178-BD0C-9457-D4263675E088}"/>
           </ac:spMkLst>
         </pc:spChg>
-        <pc:spChg chg="add del mod">
-          <ac:chgData name="Don Ross" userId="e67c32fdbd55d31b" providerId="LiveId" clId="{F875605D-7B0B-412C-A5ED-10726C5480E8}" dt="2025-01-21T02:35:58.098" v="337" actId="26606"/>
-          <ac:spMkLst>
-            <pc:docMk/>
-            <pc:sldMk cId="3009182654" sldId="267"/>
-            <ac:spMk id="3" creationId="{4DE9666B-B42B-164F-1495-A09DA0CA3995}"/>
-          </ac:spMkLst>
-        </pc:spChg>
-        <pc:spChg chg="add del">
-          <ac:chgData name="Don Ross" userId="e67c32fdbd55d31b" providerId="LiveId" clId="{F875605D-7B0B-412C-A5ED-10726C5480E8}" dt="2025-01-21T02:35:54.640" v="332" actId="26606"/>
-          <ac:spMkLst>
-            <pc:docMk/>
-            <pc:sldMk cId="3009182654" sldId="267"/>
-            <ac:spMk id="13" creationId="{F9ED434F-8767-46CC-B26B-5AF62FF01E66}"/>
-          </ac:spMkLst>
-        </pc:spChg>
-        <pc:spChg chg="add del">
-          <ac:chgData name="Don Ross" userId="e67c32fdbd55d31b" providerId="LiveId" clId="{F875605D-7B0B-412C-A5ED-10726C5480E8}" dt="2025-01-21T02:35:57.147" v="334" actId="26606"/>
-          <ac:spMkLst>
-            <pc:docMk/>
-            <pc:sldMk cId="3009182654" sldId="267"/>
-            <ac:spMk id="18" creationId="{F9ED434F-8767-46CC-B26B-5AF62FF01E66}"/>
-          </ac:spMkLst>
-        </pc:spChg>
-        <pc:spChg chg="add del">
-          <ac:chgData name="Don Ross" userId="e67c32fdbd55d31b" providerId="LiveId" clId="{F875605D-7B0B-412C-A5ED-10726C5480E8}" dt="2025-01-21T02:35:58.058" v="336" actId="26606"/>
-          <ac:spMkLst>
-            <pc:docMk/>
-            <pc:sldMk cId="3009182654" sldId="267"/>
-            <ac:spMk id="22" creationId="{F9ED434F-8767-46CC-B26B-5AF62FF01E66}"/>
-          </ac:spMkLst>
-        </pc:spChg>
         <pc:spChg chg="add">
           <ac:chgData name="Don Ross" userId="e67c32fdbd55d31b" providerId="LiveId" clId="{F875605D-7B0B-412C-A5ED-10726C5480E8}" dt="2025-01-21T02:35:58.098" v="337" actId="26606"/>
           <ac:spMkLst>
@@ -831,30 +543,6 @@
             <ac:spMk id="26" creationId="{F9ED434F-8767-46CC-B26B-5AF62FF01E66}"/>
           </ac:spMkLst>
         </pc:spChg>
-        <pc:grpChg chg="add del">
-          <ac:chgData name="Don Ross" userId="e67c32fdbd55d31b" providerId="LiveId" clId="{F875605D-7B0B-412C-A5ED-10726C5480E8}" dt="2025-01-21T02:35:54.640" v="332" actId="26606"/>
-          <ac:grpSpMkLst>
-            <pc:docMk/>
-            <pc:sldMk cId="3009182654" sldId="267"/>
-            <ac:grpSpMk id="9" creationId="{2F448CB3-7B4F-45D7-B7C0-DF553DF61453}"/>
-          </ac:grpSpMkLst>
-        </pc:grpChg>
-        <pc:grpChg chg="add del">
-          <ac:chgData name="Don Ross" userId="e67c32fdbd55d31b" providerId="LiveId" clId="{F875605D-7B0B-412C-A5ED-10726C5480E8}" dt="2025-01-21T02:35:57.147" v="334" actId="26606"/>
-          <ac:grpSpMkLst>
-            <pc:docMk/>
-            <pc:sldMk cId="3009182654" sldId="267"/>
-            <ac:grpSpMk id="15" creationId="{2F448CB3-7B4F-45D7-B7C0-DF553DF61453}"/>
-          </ac:grpSpMkLst>
-        </pc:grpChg>
-        <pc:grpChg chg="add del">
-          <ac:chgData name="Don Ross" userId="e67c32fdbd55d31b" providerId="LiveId" clId="{F875605D-7B0B-412C-A5ED-10726C5480E8}" dt="2025-01-21T02:35:58.058" v="336" actId="26606"/>
-          <ac:grpSpMkLst>
-            <pc:docMk/>
-            <pc:sldMk cId="3009182654" sldId="267"/>
-            <ac:grpSpMk id="21" creationId="{2F448CB3-7B4F-45D7-B7C0-DF553DF61453}"/>
-          </ac:grpSpMkLst>
-        </pc:grpChg>
         <pc:grpChg chg="add">
           <ac:chgData name="Don Ross" userId="e67c32fdbd55d31b" providerId="LiveId" clId="{F875605D-7B0B-412C-A5ED-10726C5480E8}" dt="2025-01-21T02:35:58.098" v="337" actId="26606"/>
           <ac:grpSpMkLst>
@@ -863,30 +551,6 @@
             <ac:grpSpMk id="25" creationId="{2F448CB3-7B4F-45D7-B7C0-DF553DF61453}"/>
           </ac:grpSpMkLst>
         </pc:grpChg>
-        <pc:graphicFrameChg chg="add del">
-          <ac:chgData name="Don Ross" userId="e67c32fdbd55d31b" providerId="LiveId" clId="{F875605D-7B0B-412C-A5ED-10726C5480E8}" dt="2025-01-21T02:35:54.640" v="332" actId="26606"/>
-          <ac:graphicFrameMkLst>
-            <pc:docMk/>
-            <pc:sldMk cId="3009182654" sldId="267"/>
-            <ac:graphicFrameMk id="5" creationId="{0165CC52-3B3B-F8E1-B1FB-A66CCD6A23A2}"/>
-          </ac:graphicFrameMkLst>
-        </pc:graphicFrameChg>
-        <pc:graphicFrameChg chg="add del">
-          <ac:chgData name="Don Ross" userId="e67c32fdbd55d31b" providerId="LiveId" clId="{F875605D-7B0B-412C-A5ED-10726C5480E8}" dt="2025-01-21T02:35:57.147" v="334" actId="26606"/>
-          <ac:graphicFrameMkLst>
-            <pc:docMk/>
-            <pc:sldMk cId="3009182654" sldId="267"/>
-            <ac:graphicFrameMk id="19" creationId="{658920FB-F12E-8B15-7A5D-B5D9556FECB1}"/>
-          </ac:graphicFrameMkLst>
-        </pc:graphicFrameChg>
-        <pc:graphicFrameChg chg="add del">
-          <ac:chgData name="Don Ross" userId="e67c32fdbd55d31b" providerId="LiveId" clId="{F875605D-7B0B-412C-A5ED-10726C5480E8}" dt="2025-01-21T02:35:58.058" v="336" actId="26606"/>
-          <ac:graphicFrameMkLst>
-            <pc:docMk/>
-            <pc:sldMk cId="3009182654" sldId="267"/>
-            <ac:graphicFrameMk id="23" creationId="{0165CC52-3B3B-F8E1-B1FB-A66CCD6A23A2}"/>
-          </ac:graphicFrameMkLst>
-        </pc:graphicFrameChg>
         <pc:graphicFrameChg chg="add">
           <ac:chgData name="Don Ross" userId="e67c32fdbd55d31b" providerId="LiveId" clId="{F875605D-7B0B-412C-A5ED-10726C5480E8}" dt="2025-01-21T02:35:58.098" v="337" actId="26606"/>
           <ac:graphicFrameMkLst>
@@ -908,14 +572,6 @@
             <pc:docMk/>
             <pc:sldMk cId="3734951836" sldId="268"/>
             <ac:spMk id="2" creationId="{868B17ED-BC8B-96E7-6CC4-82215A0FC9B5}"/>
-          </ac:spMkLst>
-        </pc:spChg>
-        <pc:spChg chg="del mod">
-          <ac:chgData name="Don Ross" userId="e67c32fdbd55d31b" providerId="LiveId" clId="{F875605D-7B0B-412C-A5ED-10726C5480E8}" dt="2025-01-21T02:36:03.536" v="338" actId="26606"/>
-          <ac:spMkLst>
-            <pc:docMk/>
-            <pc:sldMk cId="3734951836" sldId="268"/>
-            <ac:spMk id="3" creationId="{63F8F355-0FF6-BB36-8003-EEB397972547}"/>
           </ac:spMkLst>
         </pc:spChg>
         <pc:spChg chg="add">
@@ -964,22 +620,6 @@
             <ac:spMk id="2" creationId="{0DF91262-1BF7-E12C-36A7-DA5FBBA6EF93}"/>
           </ac:spMkLst>
         </pc:spChg>
-        <pc:spChg chg="del">
-          <ac:chgData name="Don Ross" userId="e67c32fdbd55d31b" providerId="LiveId" clId="{F875605D-7B0B-412C-A5ED-10726C5480E8}" dt="2025-01-21T02:28:25.071" v="209" actId="478"/>
-          <ac:spMkLst>
-            <pc:docMk/>
-            <pc:sldMk cId="1129376824" sldId="270"/>
-            <ac:spMk id="3" creationId="{A7D1A6AD-9303-F4EA-A49E-ACDC513B7054}"/>
-          </ac:spMkLst>
-        </pc:spChg>
-        <pc:spChg chg="add del mod">
-          <ac:chgData name="Don Ross" userId="e67c32fdbd55d31b" providerId="LiveId" clId="{F875605D-7B0B-412C-A5ED-10726C5480E8}" dt="2025-01-21T02:28:28.221" v="210" actId="478"/>
-          <ac:spMkLst>
-            <pc:docMk/>
-            <pc:sldMk cId="1129376824" sldId="270"/>
-            <ac:spMk id="5" creationId="{22DB79F3-3B4D-CC72-7525-6BE4EEA837D6}"/>
-          </ac:spMkLst>
-        </pc:spChg>
         <pc:spChg chg="add">
           <ac:chgData name="Don Ross" userId="e67c32fdbd55d31b" providerId="LiveId" clId="{F875605D-7B0B-412C-A5ED-10726C5480E8}" dt="2025-01-21T02:28:34.545" v="211" actId="26606"/>
           <ac:spMkLst>
@@ -1014,35 +654,19 @@
         </pc:picChg>
       </pc:sldChg>
       <pc:sldChg chg="addSp delSp modSp add mod">
-        <pc:chgData name="Don Ross" userId="e67c32fdbd55d31b" providerId="LiveId" clId="{F875605D-7B0B-412C-A5ED-10726C5480E8}" dt="2025-01-21T02:29:58.868" v="223" actId="1076"/>
+        <pc:chgData name="Don Ross" userId="e67c32fdbd55d31b" providerId="LiveId" clId="{F875605D-7B0B-412C-A5ED-10726C5480E8}" dt="2025-01-23T00:34:43.700" v="403" actId="20577"/>
         <pc:sldMkLst>
           <pc:docMk/>
           <pc:sldMk cId="3201899953" sldId="271"/>
         </pc:sldMkLst>
-        <pc:spChg chg="del">
-          <ac:chgData name="Don Ross" userId="e67c32fdbd55d31b" providerId="LiveId" clId="{F875605D-7B0B-412C-A5ED-10726C5480E8}" dt="2025-01-21T02:29:24.281" v="216" actId="478"/>
+        <pc:spChg chg="mod">
+          <ac:chgData name="Don Ross" userId="e67c32fdbd55d31b" providerId="LiveId" clId="{F875605D-7B0B-412C-A5ED-10726C5480E8}" dt="2025-01-23T00:34:43.700" v="403" actId="20577"/>
           <ac:spMkLst>
             <pc:docMk/>
             <pc:sldMk cId="3201899953" sldId="271"/>
-            <ac:spMk id="3" creationId="{43CA4704-ED2B-3021-638D-77CCC10C0F4D}"/>
+            <ac:spMk id="2" creationId="{DDA2E56D-DB3D-AA47-FBCD-769397C45F72}"/>
           </ac:spMkLst>
         </pc:spChg>
-        <pc:spChg chg="add del mod">
-          <ac:chgData name="Don Ross" userId="e67c32fdbd55d31b" providerId="LiveId" clId="{F875605D-7B0B-412C-A5ED-10726C5480E8}" dt="2025-01-21T02:29:29.954" v="217" actId="478"/>
-          <ac:spMkLst>
-            <pc:docMk/>
-            <pc:sldMk cId="3201899953" sldId="271"/>
-            <ac:spMk id="6" creationId="{758042BF-347F-DFEF-BD31-56D9BCFB6F7E}"/>
-          </ac:spMkLst>
-        </pc:spChg>
-        <pc:picChg chg="add del mod">
-          <ac:chgData name="Don Ross" userId="e67c32fdbd55d31b" providerId="LiveId" clId="{F875605D-7B0B-412C-A5ED-10726C5480E8}" dt="2025-01-21T02:29:56.055" v="222" actId="478"/>
-          <ac:picMkLst>
-            <pc:docMk/>
-            <pc:sldMk cId="3201899953" sldId="271"/>
-            <ac:picMk id="4" creationId="{1F76D96E-54DC-F5CD-E4F0-68484B780D49}"/>
-          </ac:picMkLst>
-        </pc:picChg>
         <pc:picChg chg="add mod">
           <ac:chgData name="Don Ross" userId="e67c32fdbd55d31b" providerId="LiveId" clId="{F875605D-7B0B-412C-A5ED-10726C5480E8}" dt="2025-01-21T02:29:58.868" v="223" actId="1076"/>
           <ac:picMkLst>
@@ -1052,12 +676,20 @@
           </ac:picMkLst>
         </pc:picChg>
       </pc:sldChg>
-      <pc:sldChg chg="add">
-        <pc:chgData name="Don Ross" userId="e67c32fdbd55d31b" providerId="LiveId" clId="{F875605D-7B0B-412C-A5ED-10726C5480E8}" dt="2025-01-21T02:29:42.507" v="219" actId="2890"/>
+      <pc:sldChg chg="modSp add mod">
+        <pc:chgData name="Don Ross" userId="e67c32fdbd55d31b" providerId="LiveId" clId="{F875605D-7B0B-412C-A5ED-10726C5480E8}" dt="2025-01-23T00:35:04.410" v="444" actId="20577"/>
         <pc:sldMkLst>
           <pc:docMk/>
           <pc:sldMk cId="4032549817" sldId="272"/>
         </pc:sldMkLst>
+        <pc:spChg chg="mod">
+          <ac:chgData name="Don Ross" userId="e67c32fdbd55d31b" providerId="LiveId" clId="{F875605D-7B0B-412C-A5ED-10726C5480E8}" dt="2025-01-23T00:35:04.410" v="444" actId="20577"/>
+          <ac:spMkLst>
+            <pc:docMk/>
+            <pc:sldMk cId="4032549817" sldId="272"/>
+            <ac:spMk id="2" creationId="{22609725-582D-BAAB-8CCB-F37DA4EDAB70}"/>
+          </ac:spMkLst>
+        </pc:spChg>
       </pc:sldChg>
       <pc:sldChg chg="add del">
         <pc:chgData name="Don Ross" userId="e67c32fdbd55d31b" providerId="LiveId" clId="{F875605D-7B0B-412C-A5ED-10726C5480E8}" dt="2025-01-21T02:30:28.261" v="228" actId="2696"/>
@@ -19799,7 +19431,7 @@
           <a:p>
             <a:fld id="{C9B48E65-4471-418B-9D84-F63DF15CDC93}" type="datetimeFigureOut">
               <a:rPr lang="en-US" smtClean="0"/>
-              <a:t>1/20/2025</a:t>
+              <a:t>1/22/2025</a:t>
             </a:fld>
             <a:endParaRPr lang="en-US"/>
           </a:p>
@@ -20887,7 +20519,7 @@
           <a:p>
             <a:fld id="{C9B48E65-4471-418B-9D84-F63DF15CDC93}" type="datetimeFigureOut">
               <a:rPr lang="en-US" smtClean="0"/>
-              <a:t>1/20/2025</a:t>
+              <a:t>1/22/2025</a:t>
             </a:fld>
             <a:endParaRPr lang="en-US"/>
           </a:p>
@@ -21867,7 +21499,7 @@
           <a:p>
             <a:fld id="{C9B48E65-4471-418B-9D84-F63DF15CDC93}" type="datetimeFigureOut">
               <a:rPr lang="en-US" smtClean="0"/>
-              <a:t>1/20/2025</a:t>
+              <a:t>1/22/2025</a:t>
             </a:fld>
             <a:endParaRPr lang="en-US"/>
           </a:p>
@@ -23001,7 +22633,7 @@
           <a:p>
             <a:fld id="{C9B48E65-4471-418B-9D84-F63DF15CDC93}" type="datetimeFigureOut">
               <a:rPr lang="en-US" smtClean="0"/>
-              <a:t>1/20/2025</a:t>
+              <a:t>1/22/2025</a:t>
             </a:fld>
             <a:endParaRPr lang="en-US"/>
           </a:p>
@@ -24034,7 +23666,7 @@
           <a:p>
             <a:fld id="{C9B48E65-4471-418B-9D84-F63DF15CDC93}" type="datetimeFigureOut">
               <a:rPr lang="en-US" smtClean="0"/>
-              <a:t>1/20/2025</a:t>
+              <a:t>1/22/2025</a:t>
             </a:fld>
             <a:endParaRPr lang="en-US"/>
           </a:p>
@@ -24694,7 +24326,7 @@
           <a:p>
             <a:fld id="{C9B48E65-4471-418B-9D84-F63DF15CDC93}" type="datetimeFigureOut">
               <a:rPr lang="en-US" smtClean="0"/>
-              <a:t>1/20/2025</a:t>
+              <a:t>1/22/2025</a:t>
             </a:fld>
             <a:endParaRPr lang="en-US"/>
           </a:p>
@@ -25555,7 +25187,7 @@
           <a:p>
             <a:fld id="{C9B48E65-4471-418B-9D84-F63DF15CDC93}" type="datetimeFigureOut">
               <a:rPr lang="en-US" smtClean="0"/>
-              <a:t>1/20/2025</a:t>
+              <a:t>1/22/2025</a:t>
             </a:fld>
             <a:endParaRPr lang="en-US"/>
           </a:p>
@@ -25745,7 +25377,7 @@
           <a:p>
             <a:fld id="{C9B48E65-4471-418B-9D84-F63DF15CDC93}" type="datetimeFigureOut">
               <a:rPr lang="en-US" smtClean="0"/>
-              <a:t>1/20/2025</a:t>
+              <a:t>1/22/2025</a:t>
             </a:fld>
             <a:endParaRPr lang="en-US"/>
           </a:p>
@@ -26717,7 +26349,7 @@
           <a:p>
             <a:fld id="{C9B48E65-4471-418B-9D84-F63DF15CDC93}" type="datetimeFigureOut">
               <a:rPr lang="en-US" smtClean="0"/>
-              <a:t>1/20/2025</a:t>
+              <a:t>1/22/2025</a:t>
             </a:fld>
             <a:endParaRPr lang="en-US"/>
           </a:p>
@@ -26928,7 +26560,7 @@
           <a:p>
             <a:fld id="{C9B48E65-4471-418B-9D84-F63DF15CDC93}" type="datetimeFigureOut">
               <a:rPr lang="en-US" smtClean="0"/>
-              <a:t>1/20/2025</a:t>
+              <a:t>1/22/2025</a:t>
             </a:fld>
             <a:endParaRPr lang="en-US"/>
           </a:p>
@@ -27962,7 +27594,7 @@
           <a:p>
             <a:fld id="{C9B48E65-4471-418B-9D84-F63DF15CDC93}" type="datetimeFigureOut">
               <a:rPr lang="en-US" smtClean="0"/>
-              <a:t>1/20/2025</a:t>
+              <a:t>1/22/2025</a:t>
             </a:fld>
             <a:endParaRPr lang="en-US"/>
           </a:p>
@@ -28234,7 +27866,7 @@
           <a:p>
             <a:fld id="{C9B48E65-4471-418B-9D84-F63DF15CDC93}" type="datetimeFigureOut">
               <a:rPr lang="en-US" smtClean="0"/>
-              <a:t>1/20/2025</a:t>
+              <a:t>1/22/2025</a:t>
             </a:fld>
             <a:endParaRPr lang="en-US"/>
           </a:p>
@@ -28644,7 +28276,7 @@
           <a:p>
             <a:fld id="{C9B48E65-4471-418B-9D84-F63DF15CDC93}" type="datetimeFigureOut">
               <a:rPr lang="en-US" smtClean="0"/>
-              <a:t>1/20/2025</a:t>
+              <a:t>1/22/2025</a:t>
             </a:fld>
             <a:endParaRPr lang="en-US"/>
           </a:p>
@@ -28771,7 +28403,7 @@
           <a:p>
             <a:fld id="{C9B48E65-4471-418B-9D84-F63DF15CDC93}" type="datetimeFigureOut">
               <a:rPr lang="en-US" smtClean="0"/>
-              <a:t>1/20/2025</a:t>
+              <a:t>1/22/2025</a:t>
             </a:fld>
             <a:endParaRPr lang="en-US"/>
           </a:p>
@@ -28866,7 +28498,7 @@
           <a:p>
             <a:fld id="{C9B48E65-4471-418B-9D84-F63DF15CDC93}" type="datetimeFigureOut">
               <a:rPr lang="en-US" smtClean="0"/>
-              <a:t>1/20/2025</a:t>
+              <a:t>1/22/2025</a:t>
             </a:fld>
             <a:endParaRPr lang="en-US"/>
           </a:p>
@@ -29947,7 +29579,7 @@
           <a:p>
             <a:fld id="{C9B48E65-4471-418B-9D84-F63DF15CDC93}" type="datetimeFigureOut">
               <a:rPr lang="en-US" smtClean="0"/>
-              <a:t>1/20/2025</a:t>
+              <a:t>1/22/2025</a:t>
             </a:fld>
             <a:endParaRPr lang="en-US"/>
           </a:p>
@@ -31055,7 +30687,7 @@
           <a:p>
             <a:fld id="{C9B48E65-4471-418B-9D84-F63DF15CDC93}" type="datetimeFigureOut">
               <a:rPr lang="en-US" smtClean="0"/>
-              <a:t>1/20/2025</a:t>
+              <a:t>1/22/2025</a:t>
             </a:fld>
             <a:endParaRPr lang="en-US"/>
           </a:p>
@@ -32052,7 +31684,7 @@
           <a:p>
             <a:fld id="{C9B48E65-4471-418B-9D84-F63DF15CDC93}" type="datetimeFigureOut">
               <a:rPr lang="en-US" smtClean="0"/>
-              <a:t>1/20/2025</a:t>
+              <a:t>1/22/2025</a:t>
             </a:fld>
             <a:endParaRPr lang="en-US"/>
           </a:p>
@@ -33365,7 +32997,7 @@
                 <a:ea typeface="Aptos" panose="020B0004020202020204" pitchFamily="34" charset="0"/>
                 <a:cs typeface="Times New Roman" panose="02020603050405020304" pitchFamily="18" charset="0"/>
               </a:rPr>
-              <a:t>Visualizations</a:t>
+              <a:t>Number of Healthcare Facilities by County</a:t>
             </a:r>
             <a:br>
               <a:rPr lang="en-US" sz="1800" kern="100" dirty="0">
@@ -38376,7 +38008,7 @@
                 <a:ea typeface="Aptos" panose="020B0004020202020204" pitchFamily="34" charset="0"/>
                 <a:cs typeface="Times New Roman" panose="02020603050405020304" pitchFamily="18" charset="0"/>
               </a:rPr>
-              <a:t>Visualizations</a:t>
+              <a:t>Hospitalization Rates by County</a:t>
             </a:r>
             <a:br>
               <a:rPr lang="en-US" sz="1800" kern="100" dirty="0">
